--- a/trunk/docs/Presentacion Final/Tempore – Manejá tus tiempos-V2.pptx
+++ b/trunk/docs/Presentacion Final/Tempore – Manejá tus tiempos-V2.pptx
@@ -3228,7 +3228,7 @@
   <dgm:whole/>
   <dgm:extLst>
     <a:ext uri="http://schemas.microsoft.com/office/drawing/2008/diagram">
-      <dsp:dataModelExt xmlns="" xmlns:dsp="http://schemas.microsoft.com/office/drawing/2008/diagram" relId="rId6" minVer="http://schemas.openxmlformats.org/drawingml/2006/diagram"/>
+      <dsp:dataModelExt xmlns:dsp="http://schemas.microsoft.com/office/drawing/2008/diagram" xmlns="" relId="rId6" minVer="http://schemas.openxmlformats.org/drawingml/2006/diagram"/>
     </a:ext>
   </dgm:extLst>
 </dgm:dataModel>
@@ -3312,17 +3312,7 @@
                 </a:schemeClr>
               </a:solidFill>
             </a:rPr>
-            <a:t>No encontramos una herramienta </a:t>
-          </a:r>
-          <a:r>
-            <a:rPr lang="es-ES" sz="1400" dirty="0" smtClean="0">
-              <a:solidFill>
-                <a:schemeClr val="accent2">
-                  <a:lumMod val="75000"/>
-                </a:schemeClr>
-              </a:solidFill>
-            </a:rPr>
-            <a:t>amigable para registrar horas a tareas</a:t>
+            <a:t>No encontramos una herramienta amigable para registrar horas a tareas</a:t>
           </a:r>
           <a:endParaRPr lang="es-ES" sz="1400" dirty="0">
             <a:solidFill>
@@ -3371,27 +3361,7 @@
                 </a:schemeClr>
               </a:solidFill>
             </a:rPr>
-            <a:t>La mayoría de las herramientas </a:t>
-          </a:r>
-          <a:r>
-            <a:rPr lang="es-ES" sz="1400" dirty="0" smtClean="0">
-              <a:solidFill>
-                <a:schemeClr val="accent2">
-                  <a:lumMod val="75000"/>
-                </a:schemeClr>
-              </a:solidFill>
-            </a:rPr>
-            <a:t>están desarrolladas </a:t>
-          </a:r>
-          <a:r>
-            <a:rPr lang="es-ES" sz="1400" dirty="0" smtClean="0">
-              <a:solidFill>
-                <a:schemeClr val="accent2">
-                  <a:lumMod val="75000"/>
-                </a:schemeClr>
-              </a:solidFill>
-            </a:rPr>
-            <a:t>con tecnología obsoleta</a:t>
+            <a:t>La mayoría de las herramientas están desarrolladas con tecnología obsoleta</a:t>
           </a:r>
           <a:endParaRPr lang="es-ES" sz="1400" dirty="0">
             <a:solidFill>
@@ -3489,17 +3459,7 @@
                 </a:schemeClr>
               </a:solidFill>
             </a:rPr>
-            <a:t>Cubrir necesidades en cualquier </a:t>
-          </a:r>
-          <a:r>
-            <a:rPr lang="es-ES" sz="1400" dirty="0" smtClean="0">
-              <a:solidFill>
-                <a:schemeClr val="accent2">
-                  <a:lumMod val="75000"/>
-                </a:schemeClr>
-              </a:solidFill>
-            </a:rPr>
-            <a:t>ámbito en el que se desarrolle un proyecto</a:t>
+            <a:t>Cubrir necesidades en cualquier ámbito en el que se desarrolle un proyecto</a:t>
           </a:r>
           <a:endParaRPr lang="es-ES" sz="1400" dirty="0">
             <a:solidFill>
@@ -3548,17 +3508,7 @@
                 </a:schemeClr>
               </a:solidFill>
             </a:rPr>
-            <a:t>Utilizar la última </a:t>
-          </a:r>
-          <a:r>
-            <a:rPr lang="es-ES" sz="1400" dirty="0" smtClean="0">
-              <a:solidFill>
-                <a:schemeClr val="accent2">
-                  <a:lumMod val="75000"/>
-                </a:schemeClr>
-              </a:solidFill>
-            </a:rPr>
-            <a:t>tecnología disponible </a:t>
+            <a:t>Utilizar la última tecnología disponible </a:t>
           </a:r>
           <a:endParaRPr lang="es-ES" sz="1400" dirty="0">
             <a:solidFill>
@@ -3836,17 +3786,7 @@
                 </a:schemeClr>
               </a:solidFill>
             </a:rPr>
-            <a:t>Vimos que </a:t>
-          </a:r>
-          <a:r>
-            <a:rPr lang="es-ES" sz="1400" dirty="0" smtClean="0">
-              <a:solidFill>
-                <a:schemeClr val="accent2">
-                  <a:lumMod val="75000"/>
-                </a:schemeClr>
-              </a:solidFill>
-            </a:rPr>
-            <a:t>son difíciles de usar</a:t>
+            <a:t>Vimos que son difíciles de usar</a:t>
           </a:r>
           <a:endParaRPr lang="es-ES" sz="1400" dirty="0">
             <a:solidFill>
@@ -4077,8 +4017,8 @@
     <dgm:cxn modelId="{14918B4F-F8CE-48C1-8562-CAA8C15E5DDC}" type="presOf" srcId="{E04A945A-6049-4891-9E14-7CDB6DAB0BC6}" destId="{0D870D2C-EED5-41EA-B0E6-6D8A78EDADB8}" srcOrd="0" destOrd="0" presId="urn:microsoft.com/office/officeart/2005/8/layout/vList3"/>
     <dgm:cxn modelId="{EAD9191A-30DE-4AF0-9A92-D2037F2C2976}" type="presOf" srcId="{8CAD46E3-4128-4FB8-A468-D3B9D25DC51C}" destId="{B9E2FB94-C494-40EC-930B-B89C95326C4B}" srcOrd="0" destOrd="2" presId="urn:microsoft.com/office/officeart/2005/8/layout/vList3"/>
     <dgm:cxn modelId="{7C733EDC-B978-4582-9EE5-221AADDDB7F3}" type="presOf" srcId="{9C7D0373-CC3E-413C-81C8-B470E8B263C6}" destId="{05AA9CCA-8A27-4A90-A633-60292AFDEB34}" srcOrd="0" destOrd="0" presId="urn:microsoft.com/office/officeart/2005/8/layout/vList3"/>
+    <dgm:cxn modelId="{5DC7F698-CA0B-4BA0-BCA2-F7E7DDBF688B}" type="presOf" srcId="{AFD36104-1D44-4289-9932-D47F79CFC7EF}" destId="{0D870D2C-EED5-41EA-B0E6-6D8A78EDADB8}" srcOrd="0" destOrd="1" presId="urn:microsoft.com/office/officeart/2005/8/layout/vList3"/>
     <dgm:cxn modelId="{E03A4024-55B2-4F21-B0DB-8540B24345BC}" srcId="{9EA8F649-A822-4005-92B6-E4F626377926}" destId="{8CAD46E3-4128-4FB8-A468-D3B9D25DC51C}" srcOrd="1" destOrd="0" parTransId="{8B6BE270-98CB-47AA-9839-9BE937B6728A}" sibTransId="{E4C23FFA-EA1E-47C8-8162-BC0FCE0EC2B4}"/>
-    <dgm:cxn modelId="{5DC7F698-CA0B-4BA0-BCA2-F7E7DDBF688B}" type="presOf" srcId="{AFD36104-1D44-4289-9932-D47F79CFC7EF}" destId="{0D870D2C-EED5-41EA-B0E6-6D8A78EDADB8}" srcOrd="0" destOrd="1" presId="urn:microsoft.com/office/officeart/2005/8/layout/vList3"/>
     <dgm:cxn modelId="{113A8642-4F68-405F-9FE6-A17E0EA62B8C}" srcId="{9C7D0373-CC3E-413C-81C8-B470E8B263C6}" destId="{5C6785CB-18E4-4971-AEBB-48A5BB9AB520}" srcOrd="2" destOrd="0" parTransId="{9674B30B-E5B7-48A7-973B-5D5B9BF087E8}" sibTransId="{F58CCB19-B6F4-4D8C-920F-EBF34A579AE9}"/>
     <dgm:cxn modelId="{9975584D-A1DC-48BB-8B2A-E091BAF7C8AB}" type="presOf" srcId="{62CFA7F4-8DDA-4B43-A88D-C9B164593647}" destId="{B9E2FB94-C494-40EC-930B-B89C95326C4B}" srcOrd="0" destOrd="3" presId="urn:microsoft.com/office/officeart/2005/8/layout/vList3"/>
     <dgm:cxn modelId="{C3F36F93-304C-4143-8991-DD5A16E0CCD5}" srcId="{E04A945A-6049-4891-9E14-7CDB6DAB0BC6}" destId="{231F4CB2-16F1-4D83-A982-AA185703EE8D}" srcOrd="1" destOrd="0" parTransId="{84178694-5D54-488E-B029-AB80608A8C35}" sibTransId="{4952947D-81BB-4DB7-939F-EFFE3212E032}"/>
@@ -4104,7 +4044,7 @@
   <dgm:whole/>
   <dgm:extLst>
     <a:ext uri="http://schemas.microsoft.com/office/drawing/2008/diagram">
-      <dsp:dataModelExt xmlns="" xmlns:dsp="http://schemas.microsoft.com/office/drawing/2008/diagram" relId="rId6" minVer="http://schemas.openxmlformats.org/drawingml/2006/diagram"/>
+      <dsp:dataModelExt xmlns:dsp="http://schemas.microsoft.com/office/drawing/2008/diagram" xmlns="" relId="rId6" minVer="http://schemas.openxmlformats.org/drawingml/2006/diagram"/>
     </a:ext>
   </dgm:extLst>
 </dgm:dataModel>
@@ -4451,8 +4391,8 @@
     <dgm:cxn modelId="{5372CE3A-6635-4959-8710-900E9D6B0689}" type="presOf" srcId="{FF1B38DF-CC98-4B5C-B5CD-7CCAE9EB07B9}" destId="{60D183DE-DDB6-4982-8F87-0B0157349EA9}" srcOrd="2" destOrd="0" presId="urn:microsoft.com/office/officeart/2005/8/layout/gear1"/>
     <dgm:cxn modelId="{A17F5EC0-2A3E-4D3D-8DCD-3C3E00474DB6}" type="presOf" srcId="{28647B94-A310-4C10-A051-6277D71C9A9B}" destId="{D73F894D-10BB-4A6B-8AD1-D86B6322BE0E}" srcOrd="1" destOrd="0" presId="urn:microsoft.com/office/officeart/2005/8/layout/gear1"/>
     <dgm:cxn modelId="{587A8761-796F-4359-8297-C318F2CCE7E9}" type="presOf" srcId="{FF1B38DF-CC98-4B5C-B5CD-7CCAE9EB07B9}" destId="{99082A81-1727-46C3-B07B-FD590B152210}" srcOrd="0" destOrd="0" presId="urn:microsoft.com/office/officeart/2005/8/layout/gear1"/>
+    <dgm:cxn modelId="{D13BD000-A18F-4C49-A8DD-AD2F94BAFE13}" type="presOf" srcId="{28647B94-A310-4C10-A051-6277D71C9A9B}" destId="{5E2B2D3D-3562-4B4F-87E3-909E641FC0B6}" srcOrd="2" destOrd="0" presId="urn:microsoft.com/office/officeart/2005/8/layout/gear1"/>
     <dgm:cxn modelId="{76F53F5B-8783-4F37-9A88-12B1BA871BDC}" type="presOf" srcId="{D6FF1063-92CC-4E95-A7FB-148BFD0F0F5F}" destId="{3598B9CD-925F-4B1B-A109-FBE391DE04AF}" srcOrd="0" destOrd="0" presId="urn:microsoft.com/office/officeart/2005/8/layout/gear1"/>
-    <dgm:cxn modelId="{D13BD000-A18F-4C49-A8DD-AD2F94BAFE13}" type="presOf" srcId="{28647B94-A310-4C10-A051-6277D71C9A9B}" destId="{5E2B2D3D-3562-4B4F-87E3-909E641FC0B6}" srcOrd="2" destOrd="0" presId="urn:microsoft.com/office/officeart/2005/8/layout/gear1"/>
     <dgm:cxn modelId="{BE7C7412-0209-44A3-97D6-DD42A2046EA7}" type="presOf" srcId="{43B119C1-A917-4E3F-84F5-11F0F21F66C9}" destId="{3123FF80-BC15-483D-A5CF-4A23AF7A8040}" srcOrd="0" destOrd="0" presId="urn:microsoft.com/office/officeart/2005/8/layout/gear1"/>
     <dgm:cxn modelId="{8121C7A5-E188-4221-9822-51D7CEBA3FEC}" type="presOf" srcId="{FF1B38DF-CC98-4B5C-B5CD-7CCAE9EB07B9}" destId="{BC9FCCF4-25D0-4A23-9723-0549CC856326}" srcOrd="1" destOrd="0" presId="urn:microsoft.com/office/officeart/2005/8/layout/gear1"/>
     <dgm:cxn modelId="{57954250-AD62-4B4C-827F-3DB09B0299CA}" type="presOf" srcId="{315E78FC-8DE0-4490-A245-1AD3290D8876}" destId="{20A6805F-AF99-47D6-B87C-E37FE8C06BF8}" srcOrd="0" destOrd="0" presId="urn:microsoft.com/office/officeart/2005/8/layout/gear1"/>
@@ -4481,7 +4421,7 @@
   <dgm:whole/>
   <dgm:extLst>
     <a:ext uri="http://schemas.microsoft.com/office/drawing/2008/diagram">
-      <dsp:dataModelExt xmlns="" xmlns:dsp="http://schemas.microsoft.com/office/drawing/2008/diagram" relId="rId14" minVer="http://schemas.openxmlformats.org/drawingml/2006/diagram"/>
+      <dsp:dataModelExt xmlns:dsp="http://schemas.microsoft.com/office/drawing/2008/diagram" xmlns="" relId="rId14" minVer="http://schemas.openxmlformats.org/drawingml/2006/diagram"/>
     </a:ext>
   </dgm:extLst>
 </dgm:dataModel>
@@ -11330,7 +11270,7 @@
     </p:spTree>
     <p:extLst>
       <p:ext uri="{BB962C8B-B14F-4D97-AF65-F5344CB8AC3E}">
-        <p14:creationId xmlns="" xmlns:p14="http://schemas.microsoft.com/office/powerpoint/2010/main" val="4276956086"/>
+        <p14:creationId xmlns:p14="http://schemas.microsoft.com/office/powerpoint/2010/main" xmlns="" val="4276956086"/>
       </p:ext>
     </p:extLst>
   </p:cSld>
@@ -11850,11 +11790,7 @@
             </a:r>
             <a:r>
               <a:rPr lang="es-ES" baseline="0" dirty="0" smtClean="0"/>
-              <a:t> de la aplicación </a:t>
-            </a:r>
-            <a:r>
-              <a:rPr lang="es-ES" baseline="0" dirty="0" smtClean="0"/>
-              <a:t>(podemos sacarla </a:t>
+              <a:t> de la aplicación (podemos sacarla </a:t>
             </a:r>
             <a:r>
               <a:rPr lang="es-ES" baseline="0" smtClean="0"/>
@@ -15599,40 +15535,6 @@
       </p:pic>
       <p:sp>
         <p:nvSpPr>
-          <p:cNvPr id="5" name="4 CuadroTexto"/>
-          <p:cNvSpPr txBox="1"/>
-          <p:nvPr/>
-        </p:nvSpPr>
-        <p:spPr>
-          <a:xfrm>
-            <a:off x="2928926" y="6429396"/>
-            <a:ext cx="6280887" cy="461665"/>
-          </a:xfrm>
-          <a:prstGeom prst="rect">
-            <a:avLst/>
-          </a:prstGeom>
-          <a:noFill/>
-        </p:spPr>
-        <p:txBody>
-          <a:bodyPr wrap="none" rtlCol="0">
-            <a:spAutoFit/>
-          </a:bodyPr>
-          <a:lstStyle/>
-          <a:p>
-            <a:r>
-              <a:rPr lang="es-ES" sz="2400" dirty="0" smtClean="0">
-                <a:latin typeface="Kunstler Script" pitchFamily="66" charset="0"/>
-              </a:rPr>
-              <a:t>Facultad de Ingeniería de la Universidad de Buenos Aires – Marzo 2012</a:t>
-            </a:r>
-            <a:endParaRPr lang="es-ES" sz="2400" dirty="0">
-              <a:latin typeface="Kunstler Script" pitchFamily="66" charset="0"/>
-            </a:endParaRPr>
-          </a:p>
-        </p:txBody>
-      </p:sp>
-      <p:sp>
-        <p:nvSpPr>
           <p:cNvPr id="6" name="5 CuadroTexto"/>
           <p:cNvSpPr txBox="1"/>
           <p:nvPr/>
@@ -15798,17 +15700,6 @@
               </a:rPr>
               <a:t> LIS</a:t>
             </a:r>
-            <a:endParaRPr lang="es-ES" sz="2000" cap="all" dirty="0" smtClean="0">
-              <a:solidFill>
-                <a:schemeClr val="tx2"/>
-              </a:solidFill>
-              <a:effectLst>
-                <a:reflection blurRad="12700" stA="48000" endA="300" endPos="55000" dir="5400000" sy="-90000" algn="bl" rotWithShape="0"/>
-              </a:effectLst>
-              <a:latin typeface="+mj-lt"/>
-              <a:ea typeface="+mj-ea"/>
-              <a:cs typeface="+mj-cs"/>
-            </a:endParaRPr>
           </a:p>
           <a:p>
             <a:endParaRPr lang="es-ES" sz="2000" cap="all" dirty="0" smtClean="0">
@@ -15894,16 +15785,51 @@
               </a:rPr>
               <a:t>, Guillermo</a:t>
             </a:r>
-            <a:endParaRPr lang="es-ES" sz="2000" cap="all" dirty="0" smtClean="0">
+          </a:p>
+        </p:txBody>
+      </p:sp>
+      <p:sp>
+        <p:nvSpPr>
+          <p:cNvPr id="8" name="3 Marcador de pie de página"/>
+          <p:cNvSpPr>
+            <a:spLocks noGrp="1"/>
+          </p:cNvSpPr>
+          <p:nvPr>
+            <p:ph type="ftr" sz="quarter" idx="11"/>
+          </p:nvPr>
+        </p:nvSpPr>
+        <p:spPr>
+          <a:xfrm>
+            <a:off x="3867120" y="6633982"/>
+            <a:ext cx="5276880" cy="352404"/>
+          </a:xfrm>
+        </p:spPr>
+        <p:txBody>
+          <a:bodyPr/>
+          <a:lstStyle/>
+          <a:p>
+            <a:r>
+              <a:rPr lang="es-ES" sz="1000" dirty="0" smtClean="0">
+                <a:solidFill>
+                  <a:schemeClr val="accent1">
+                    <a:lumMod val="75000"/>
+                  </a:schemeClr>
+                </a:solidFill>
+                <a:latin typeface="Verdana" pitchFamily="34" charset="0"/>
+                <a:ea typeface="Verdana" pitchFamily="34" charset="0"/>
+                <a:cs typeface="Verdana" pitchFamily="34" charset="0"/>
+              </a:rPr>
+              <a:t>Facultad de Ingeniería de la Universidad de Buenos Aires – Marzo 2012</a:t>
+            </a:r>
+            <a:endParaRPr lang="es-ES" sz="1000" dirty="0">
               <a:solidFill>
-                <a:schemeClr val="tx2"/>
+                <a:schemeClr val="accent1">
+                  <a:lumMod val="75000"/>
+                </a:schemeClr>
               </a:solidFill>
-              <a:effectLst>
-                <a:reflection blurRad="12700" stA="48000" endA="300" endPos="55000" dir="5400000" sy="-90000" algn="bl" rotWithShape="0"/>
-              </a:effectLst>
-              <a:latin typeface="+mj-lt"/>
-              <a:ea typeface="+mj-ea"/>
-              <a:cs typeface="+mj-cs"/>
+              <a:latin typeface="Verdana" pitchFamily="34" charset="0"/>
+              <a:ea typeface="Verdana" pitchFamily="34" charset="0"/>
+              <a:cs typeface="Verdana" pitchFamily="34" charset="0"/>
             </a:endParaRPr>
           </a:p>
         </p:txBody>
@@ -16016,54 +15942,13 @@
       </p:sp>
       <p:sp>
         <p:nvSpPr>
-          <p:cNvPr id="34" name="6 Marcador de contenido"/>
-          <p:cNvSpPr>
-            <a:spLocks noGrp="1"/>
-          </p:cNvSpPr>
-          <p:nvPr>
-            <p:ph idx="1"/>
-          </p:nvPr>
-        </p:nvSpPr>
-        <p:spPr>
-          <a:xfrm>
-            <a:off x="357158" y="1260491"/>
-            <a:ext cx="8686800" cy="525435"/>
-          </a:xfrm>
-        </p:spPr>
-        <p:txBody>
-          <a:bodyPr>
-            <a:normAutofit/>
-          </a:bodyPr>
-          <a:lstStyle/>
-          <a:p>
-            <a:r>
-              <a:rPr lang="es-ES" sz="2800" dirty="0" smtClean="0">
-                <a:solidFill>
-                  <a:schemeClr val="accent2">
-                    <a:lumMod val="75000"/>
-                  </a:schemeClr>
-                </a:solidFill>
-                <a:effectLst>
-                  <a:reflection blurRad="12700" stA="48000" endA="300" endPos="55000" dir="5400000" sy="-90000" algn="bl" rotWithShape="0"/>
-                </a:effectLst>
-                <a:latin typeface="+mj-lt"/>
-                <a:ea typeface="+mj-ea"/>
-                <a:cs typeface="+mj-cs"/>
-              </a:rPr>
-              <a:t>Arquitectura General</a:t>
-            </a:r>
-          </a:p>
-        </p:txBody>
-      </p:sp>
-      <p:sp>
-        <p:nvSpPr>
           <p:cNvPr id="35" name="5 Rectángulo redondeado"/>
           <p:cNvSpPr/>
           <p:nvPr/>
         </p:nvSpPr>
         <p:spPr>
           <a:xfrm>
-            <a:off x="1142976" y="1857364"/>
+            <a:off x="1142976" y="1919356"/>
             <a:ext cx="2286016" cy="1785950"/>
           </a:xfrm>
           <a:prstGeom prst="roundRect">
@@ -16127,7 +16012,7 @@
         </p:nvSpPr>
         <p:spPr>
           <a:xfrm>
-            <a:off x="1428728" y="2357430"/>
+            <a:off x="1428728" y="2419422"/>
             <a:ext cx="1714512" cy="500066"/>
           </a:xfrm>
           <a:prstGeom prst="roundRect">
@@ -16191,7 +16076,7 @@
         </p:nvSpPr>
         <p:spPr>
           <a:xfrm>
-            <a:off x="1428728" y="3070100"/>
+            <a:off x="1428728" y="3132092"/>
             <a:ext cx="1714512" cy="501776"/>
           </a:xfrm>
           <a:prstGeom prst="roundRect">
@@ -16255,7 +16140,7 @@
         </p:nvSpPr>
         <p:spPr>
           <a:xfrm>
-            <a:off x="1142976" y="4929198"/>
+            <a:off x="1142976" y="4991190"/>
             <a:ext cx="2286016" cy="785818"/>
           </a:xfrm>
           <a:prstGeom prst="roundRect">
@@ -16319,7 +16204,7 @@
         </p:nvSpPr>
         <p:spPr>
           <a:xfrm>
-            <a:off x="1142976" y="3857628"/>
+            <a:off x="1142976" y="3919620"/>
             <a:ext cx="2286016" cy="785818"/>
           </a:xfrm>
           <a:prstGeom prst="roundRect">
@@ -16393,8 +16278,8 @@
         </p:nvSpPr>
         <p:spPr>
           <a:xfrm>
-            <a:off x="3929058" y="1857364"/>
-            <a:ext cx="1785950" cy="2286016"/>
+            <a:off x="3929058" y="1919356"/>
+            <a:ext cx="1285884" cy="2509776"/>
           </a:xfrm>
           <a:prstGeom prst="roundRect">
             <a:avLst>
@@ -16459,8 +16344,8 @@
         </p:nvSpPr>
         <p:spPr>
           <a:xfrm>
-            <a:off x="3929058" y="4214818"/>
-            <a:ext cx="1785950" cy="2428892"/>
+            <a:off x="3929058" y="4429132"/>
+            <a:ext cx="1285884" cy="2276570"/>
           </a:xfrm>
           <a:prstGeom prst="roundRect">
             <a:avLst/>
@@ -16527,7 +16412,7 @@
           <a:blip r:embed="rId3" cstate="print">
             <a:extLst>
               <a:ext uri="{28A0092B-C50C-407E-A947-70E740481C1C}">
-                <a14:useLocalDpi xmlns="" xmlns:a14="http://schemas.microsoft.com/office/drawing/2010/main" val="0"/>
+                <a14:useLocalDpi xmlns:a14="http://schemas.microsoft.com/office/drawing/2010/main" xmlns="" val="0"/>
               </a:ext>
             </a:extLst>
           </a:blip>
@@ -16537,7 +16422,7 @@
         </p:blipFill>
         <p:spPr>
           <a:xfrm>
-            <a:off x="1875701" y="5976955"/>
+            <a:off x="1875701" y="6038947"/>
             <a:ext cx="767474" cy="767472"/>
           </a:xfrm>
           <a:prstGeom prst="rect">
@@ -16557,7 +16442,7 @@
           <a:blip r:embed="rId4">
             <a:extLst>
               <a:ext uri="{28A0092B-C50C-407E-A947-70E740481C1C}">
-                <a14:useLocalDpi xmlns="" xmlns:a14="http://schemas.microsoft.com/office/drawing/2010/main" val="0"/>
+                <a14:useLocalDpi xmlns:a14="http://schemas.microsoft.com/office/drawing/2010/main" xmlns="" val="0"/>
               </a:ext>
             </a:extLst>
           </a:blip>
@@ -16567,7 +16452,7 @@
         </p:blipFill>
         <p:spPr>
           <a:xfrm>
-            <a:off x="2008879" y="1933166"/>
+            <a:off x="2008879" y="1995158"/>
             <a:ext cx="526606" cy="352826"/>
           </a:xfrm>
           <a:prstGeom prst="rect">
@@ -16587,7 +16472,7 @@
           <a:blip r:embed="rId5" cstate="print">
             <a:extLst>
               <a:ext uri="{28A0092B-C50C-407E-A947-70E740481C1C}">
-                <a14:useLocalDpi xmlns="" xmlns:a14="http://schemas.microsoft.com/office/drawing/2010/main" val="0"/>
+                <a14:useLocalDpi xmlns:a14="http://schemas.microsoft.com/office/drawing/2010/main" xmlns="" val="0"/>
               </a:ext>
             </a:extLst>
           </a:blip>
@@ -16597,7 +16482,7 @@
         </p:blipFill>
         <p:spPr>
           <a:xfrm>
-            <a:off x="1214414" y="4000504"/>
+            <a:off x="1214414" y="4062496"/>
             <a:ext cx="357631" cy="544616"/>
           </a:xfrm>
           <a:prstGeom prst="rect">
@@ -16613,7 +16498,7 @@
         </p:nvSpPr>
         <p:spPr>
           <a:xfrm>
-            <a:off x="1571604" y="2428868"/>
+            <a:off x="1571604" y="2490860"/>
             <a:ext cx="1428760" cy="184666"/>
           </a:xfrm>
           <a:prstGeom prst="rect">
@@ -16683,7 +16568,7 @@
         </p:nvSpPr>
         <p:spPr>
           <a:xfrm>
-            <a:off x="1857356" y="3284994"/>
+            <a:off x="1857356" y="3346986"/>
             <a:ext cx="785818" cy="215444"/>
           </a:xfrm>
           <a:prstGeom prst="rect">
@@ -16722,7 +16607,7 @@
         </p:nvSpPr>
         <p:spPr>
           <a:xfrm>
-            <a:off x="2143108" y="2814633"/>
+            <a:off x="2143108" y="2876625"/>
             <a:ext cx="214314" cy="285752"/>
           </a:xfrm>
           <a:prstGeom prst="upDownArrow">
@@ -16770,7 +16655,7 @@
         </p:nvSpPr>
         <p:spPr>
           <a:xfrm>
-            <a:off x="1857356" y="2581268"/>
+            <a:off x="1857356" y="2643260"/>
             <a:ext cx="776294" cy="215444"/>
           </a:xfrm>
           <a:prstGeom prst="rect">
@@ -16817,7 +16702,7 @@
         </p:nvSpPr>
         <p:spPr>
           <a:xfrm>
-            <a:off x="2000232" y="3143248"/>
+            <a:off x="2000232" y="3205240"/>
             <a:ext cx="428628" cy="184666"/>
           </a:xfrm>
           <a:prstGeom prst="rect">
@@ -16855,7 +16740,7 @@
         </p:nvSpPr>
         <p:spPr>
           <a:xfrm>
-            <a:off x="1571604" y="4051764"/>
+            <a:off x="1571604" y="4113756"/>
             <a:ext cx="1357322" cy="215444"/>
           </a:xfrm>
           <a:prstGeom prst="rect">
@@ -16922,7 +16807,7 @@
         </p:nvSpPr>
         <p:spPr>
           <a:xfrm>
-            <a:off x="1857356" y="4242263"/>
+            <a:off x="1857356" y="4304255"/>
             <a:ext cx="776294" cy="253916"/>
           </a:xfrm>
           <a:prstGeom prst="rect">
@@ -16967,7 +16852,7 @@
         </p:nvSpPr>
         <p:spPr>
           <a:xfrm>
-            <a:off x="1500166" y="5072074"/>
+            <a:off x="1500166" y="5134066"/>
             <a:ext cx="1643074" cy="215444"/>
           </a:xfrm>
           <a:prstGeom prst="rect">
@@ -17014,7 +16899,7 @@
         </p:nvSpPr>
         <p:spPr>
           <a:xfrm>
-            <a:off x="1928794" y="5286388"/>
+            <a:off x="1928794" y="5348380"/>
             <a:ext cx="776294" cy="253916"/>
           </a:xfrm>
           <a:prstGeom prst="rect">
@@ -17061,7 +16946,7 @@
         </p:blipFill>
         <p:spPr>
           <a:xfrm>
-            <a:off x="1186058" y="5114269"/>
+            <a:off x="1186058" y="5176261"/>
             <a:ext cx="456984" cy="447560"/>
           </a:xfrm>
           <a:prstGeom prst="rect">
@@ -17085,7 +16970,7 @@
         </p:blipFill>
         <p:spPr>
           <a:xfrm>
-            <a:off x="6929454" y="5643578"/>
+            <a:off x="6929454" y="5705570"/>
             <a:ext cx="1253408" cy="1043462"/>
           </a:xfrm>
           <a:prstGeom prst="rect">
@@ -17101,7 +16986,7 @@
         </p:nvGrpSpPr>
         <p:grpSpPr>
           <a:xfrm>
-            <a:off x="6215074" y="1785926"/>
+            <a:off x="6215074" y="1847918"/>
             <a:ext cx="2357454" cy="1754382"/>
             <a:chOff x="6215074" y="1785926"/>
             <a:chExt cx="2357454" cy="1754382"/>
@@ -17163,7 +17048,7 @@
           <p:nvPr/>
         </p:nvGraphicFramePr>
         <p:xfrm>
-          <a:off x="6357950" y="3357562"/>
+          <a:off x="6357950" y="3419554"/>
           <a:ext cx="2143140" cy="2286016"/>
         </p:xfrm>
         <a:graphic>
@@ -17180,7 +17065,7 @@
         </p:nvSpPr>
         <p:spPr>
           <a:xfrm>
-            <a:off x="4143372" y="4500570"/>
+            <a:off x="3901456" y="4547064"/>
             <a:ext cx="1357322" cy="215444"/>
           </a:xfrm>
           <a:prstGeom prst="rect">
@@ -17236,7 +17121,7 @@
         </p:nvSpPr>
         <p:spPr>
           <a:xfrm>
-            <a:off x="4429124" y="4691069"/>
+            <a:off x="4187208" y="4737563"/>
             <a:ext cx="776294" cy="253916"/>
           </a:xfrm>
           <a:prstGeom prst="rect">
@@ -17281,7 +17166,7 @@
         </p:nvSpPr>
         <p:spPr>
           <a:xfrm>
-            <a:off x="4143372" y="1984453"/>
+            <a:off x="3870460" y="2046445"/>
             <a:ext cx="1357322" cy="215444"/>
           </a:xfrm>
           <a:prstGeom prst="rect">
@@ -17337,7 +17222,7 @@
         </p:nvSpPr>
         <p:spPr>
           <a:xfrm>
-            <a:off x="4429124" y="2174952"/>
+            <a:off x="4156212" y="2236944"/>
             <a:ext cx="776294" cy="253916"/>
           </a:xfrm>
           <a:prstGeom prst="rect">
@@ -17382,7 +17267,7 @@
         </p:nvSpPr>
         <p:spPr>
           <a:xfrm>
-            <a:off x="2143108" y="3586164"/>
+            <a:off x="2143108" y="3648156"/>
             <a:ext cx="214314" cy="285752"/>
           </a:xfrm>
           <a:prstGeom prst="upDownArrow">
@@ -17430,7 +17315,7 @@
         </p:nvSpPr>
         <p:spPr>
           <a:xfrm>
-            <a:off x="2143108" y="4638683"/>
+            <a:off x="2143108" y="4700675"/>
             <a:ext cx="214314" cy="285752"/>
           </a:xfrm>
           <a:prstGeom prst="upDownArrow">
@@ -17478,7 +17363,7 @@
         </p:nvSpPr>
         <p:spPr>
           <a:xfrm>
-            <a:off x="2143108" y="5715016"/>
+            <a:off x="2143108" y="5777008"/>
             <a:ext cx="214314" cy="285752"/>
           </a:xfrm>
           <a:prstGeom prst="upDownArrow">
@@ -17518,28 +17403,155 @@
           </a:p>
         </p:txBody>
       </p:sp>
+      <p:sp>
+        <p:nvSpPr>
+          <p:cNvPr id="73" name="6 Marcador de contenido"/>
+          <p:cNvSpPr>
+            <a:spLocks noGrp="1"/>
+          </p:cNvSpPr>
+          <p:nvPr>
+            <p:ph idx="1"/>
+          </p:nvPr>
+        </p:nvSpPr>
+        <p:spPr>
+          <a:xfrm>
+            <a:off x="785786" y="1260491"/>
+            <a:ext cx="4929222" cy="525435"/>
+          </a:xfrm>
+        </p:spPr>
+        <p:txBody>
+          <a:bodyPr>
+            <a:normAutofit/>
+          </a:bodyPr>
+          <a:lstStyle/>
+          <a:p>
+            <a:pPr>
+              <a:buNone/>
+            </a:pPr>
+            <a:r>
+              <a:rPr lang="es-ES" sz="2800" dirty="0" smtClean="0">
+                <a:solidFill>
+                  <a:schemeClr val="accent2">
+                    <a:lumMod val="75000"/>
+                  </a:schemeClr>
+                </a:solidFill>
+                <a:effectLst>
+                  <a:reflection blurRad="12700" stA="48000" endA="300" endPos="55000" dir="5400000" sy="-90000" algn="bl" rotWithShape="0"/>
+                </a:effectLst>
+                <a:latin typeface="+mj-lt"/>
+                <a:ea typeface="+mj-ea"/>
+                <a:cs typeface="+mj-cs"/>
+              </a:rPr>
+              <a:t>Arquitectura General</a:t>
+            </a:r>
+            <a:endParaRPr lang="es-ES" sz="2800" dirty="0" smtClean="0">
+              <a:solidFill>
+                <a:schemeClr val="accent2">
+                  <a:lumMod val="75000"/>
+                </a:schemeClr>
+              </a:solidFill>
+              <a:effectLst>
+                <a:reflection blurRad="12700" stA="48000" endA="300" endPos="55000" dir="5400000" sy="-90000" algn="bl" rotWithShape="0"/>
+              </a:effectLst>
+              <a:latin typeface="+mj-lt"/>
+              <a:ea typeface="+mj-ea"/>
+              <a:cs typeface="+mj-cs"/>
+            </a:endParaRPr>
+          </a:p>
+        </p:txBody>
+      </p:sp>
+      <p:pic>
+        <p:nvPicPr>
+          <p:cNvPr id="75" name="74 Imagen" descr="rompezabeza.png"/>
+          <p:cNvPicPr>
+            <a:picLocks noChangeAspect="1"/>
+          </p:cNvPicPr>
+          <p:nvPr/>
+        </p:nvPicPr>
+        <p:blipFill>
+          <a:blip r:embed="rId14"/>
+          <a:stretch>
+            <a:fillRect/>
+          </a:stretch>
+        </p:blipFill>
+        <p:spPr>
+          <a:xfrm>
+            <a:off x="167788" y="1285860"/>
+            <a:ext cx="695034" cy="562977"/>
+          </a:xfrm>
+          <a:prstGeom prst="rect">
+            <a:avLst/>
+          </a:prstGeom>
+        </p:spPr>
+      </p:pic>
+      <p:pic>
+        <p:nvPicPr>
+          <p:cNvPr id="77" name="76 Imagen" descr="pojo.png"/>
+          <p:cNvPicPr>
+            <a:picLocks noChangeAspect="1"/>
+          </p:cNvPicPr>
+          <p:nvPr/>
+        </p:nvPicPr>
+        <p:blipFill>
+          <a:blip r:embed="rId15"/>
+          <a:stretch>
+            <a:fillRect/>
+          </a:stretch>
+        </p:blipFill>
+        <p:spPr>
+          <a:xfrm>
+            <a:off x="4643357" y="3941019"/>
+            <a:ext cx="492269" cy="393815"/>
+          </a:xfrm>
+          <a:prstGeom prst="rect">
+            <a:avLst/>
+          </a:prstGeom>
+        </p:spPr>
+      </p:pic>
+      <p:pic>
+        <p:nvPicPr>
+          <p:cNvPr id="79" name="78 Imagen" descr="pojo.png"/>
+          <p:cNvPicPr>
+            <a:picLocks noChangeAspect="1"/>
+          </p:cNvPicPr>
+          <p:nvPr/>
+        </p:nvPicPr>
+        <p:blipFill>
+          <a:blip r:embed="rId15"/>
+          <a:stretch>
+            <a:fillRect/>
+          </a:stretch>
+        </p:blipFill>
+        <p:spPr>
+          <a:xfrm>
+            <a:off x="4633157" y="6196613"/>
+            <a:ext cx="492269" cy="393815"/>
+          </a:xfrm>
+          <a:prstGeom prst="rect">
+            <a:avLst/>
+          </a:prstGeom>
+        </p:spPr>
+      </p:pic>
       <p:cxnSp>
         <p:nvCxnSpPr>
-          <p:cNvPr id="67" name="48 Conector recto de flecha"/>
-          <p:cNvCxnSpPr>
-            <a:stCxn id="42" idx="3"/>
-          </p:cNvCxnSpPr>
+          <p:cNvPr id="81" name="80 Conector recto de flecha"/>
+          <p:cNvCxnSpPr/>
           <p:nvPr/>
         </p:nvCxnSpPr>
         <p:spPr>
-          <a:xfrm flipV="1">
-            <a:off x="2643175" y="6357958"/>
-            <a:ext cx="4214841" cy="2733"/>
+          <a:xfrm>
+            <a:off x="3143240" y="2669373"/>
+            <a:ext cx="785818" cy="1588"/>
           </a:xfrm>
           <a:prstGeom prst="straightConnector1">
             <a:avLst/>
           </a:prstGeom>
-          <a:ln w="38100">
+          <a:ln w="25400">
             <a:solidFill>
-              <a:srgbClr val="FF0000"/>
+              <a:srgbClr val="002060"/>
             </a:solidFill>
-            <a:headEnd type="none" w="med" len="med"/>
-            <a:tailEnd type="triangle" w="med" len="med"/>
+            <a:prstDash val="dash"/>
+            <a:tailEnd type="arrow"/>
           </a:ln>
         </p:spPr>
         <p:style>
@@ -17559,26 +17571,24 @@
       </p:cxnSp>
       <p:cxnSp>
         <p:nvCxnSpPr>
-          <p:cNvPr id="68" name="49 Conector recto de flecha"/>
-          <p:cNvCxnSpPr>
-            <a:endCxn id="57" idx="1"/>
-          </p:cNvCxnSpPr>
+          <p:cNvPr id="87" name="86 Conector recto de flecha"/>
+          <p:cNvCxnSpPr/>
           <p:nvPr/>
         </p:nvCxnSpPr>
         <p:spPr>
           <a:xfrm>
-            <a:off x="3143240" y="2643182"/>
-            <a:ext cx="3192968" cy="1588"/>
+            <a:off x="3143240" y="3381692"/>
+            <a:ext cx="785818" cy="1588"/>
           </a:xfrm>
           <a:prstGeom prst="straightConnector1">
             <a:avLst/>
           </a:prstGeom>
-          <a:ln w="38100">
+          <a:ln w="25400">
             <a:solidFill>
-              <a:srgbClr val="FF0000"/>
+              <a:srgbClr val="002060"/>
             </a:solidFill>
-            <a:headEnd type="none" w="med" len="med"/>
-            <a:tailEnd type="triangle" w="med" len="med"/>
+            <a:prstDash val="dash"/>
+            <a:tailEnd type="arrow"/>
           </a:ln>
         </p:spPr>
         <p:style>
@@ -17596,24 +17606,26 @@
           </a:fontRef>
         </p:style>
       </p:cxnSp>
-      <p:sp>
-        <p:nvSpPr>
-          <p:cNvPr id="69" name="52 Cerrar llave"/>
-          <p:cNvSpPr/>
+      <p:cxnSp>
+        <p:nvCxnSpPr>
+          <p:cNvPr id="88" name="87 Conector recto de flecha"/>
+          <p:cNvCxnSpPr/>
           <p:nvPr/>
-        </p:nvSpPr>
+        </p:nvCxnSpPr>
         <p:spPr>
           <a:xfrm>
-            <a:off x="3286116" y="3000372"/>
-            <a:ext cx="500066" cy="2857520"/>
+            <a:off x="3428992" y="4175764"/>
+            <a:ext cx="500066" cy="1588"/>
           </a:xfrm>
-          <a:prstGeom prst="rightBrace">
+          <a:prstGeom prst="straightConnector1">
             <a:avLst/>
           </a:prstGeom>
-          <a:ln w="38100">
+          <a:ln w="25400">
             <a:solidFill>
-              <a:srgbClr val="FF0000"/>
+              <a:srgbClr val="002060"/>
             </a:solidFill>
+            <a:prstDash val="dash"/>
+            <a:tailEnd type="arrow"/>
           </a:ln>
         </p:spPr>
         <p:style>
@@ -17630,35 +17642,103 @@
             <a:schemeClr val="tx1"/>
           </a:fontRef>
         </p:style>
-        <p:txBody>
-          <a:bodyPr rtlCol="0" anchor="ctr"/>
-          <a:lstStyle/>
-          <a:p>
-            <a:pPr algn="ctr"/>
-            <a:endParaRPr lang="es-ES"/>
-          </a:p>
-        </p:txBody>
-      </p:sp>
+      </p:cxnSp>
       <p:cxnSp>
         <p:nvCxnSpPr>
-          <p:cNvPr id="70" name="53 Conector recto de flecha"/>
+          <p:cNvPr id="90" name="89 Conector recto de flecha"/>
           <p:cNvCxnSpPr/>
           <p:nvPr/>
         </p:nvCxnSpPr>
         <p:spPr>
           <a:xfrm>
-            <a:off x="3643306" y="4429132"/>
-            <a:ext cx="2643206" cy="1588"/>
+            <a:off x="3428992" y="4611378"/>
+            <a:ext cx="500066" cy="1588"/>
           </a:xfrm>
           <a:prstGeom prst="straightConnector1">
             <a:avLst/>
           </a:prstGeom>
-          <a:ln w="38100">
+          <a:ln w="25400">
             <a:solidFill>
-              <a:srgbClr val="FF0000"/>
+              <a:srgbClr val="002060"/>
             </a:solidFill>
-            <a:headEnd type="none" w="med" len="med"/>
-            <a:tailEnd type="triangle" w="med" len="med"/>
+            <a:prstDash val="dash"/>
+            <a:tailEnd type="arrow"/>
+          </a:ln>
+        </p:spPr>
+        <p:style>
+          <a:lnRef idx="1">
+            <a:schemeClr val="accent1"/>
+          </a:lnRef>
+          <a:fillRef idx="0">
+            <a:schemeClr val="accent1"/>
+          </a:fillRef>
+          <a:effectRef idx="0">
+            <a:schemeClr val="accent1"/>
+          </a:effectRef>
+          <a:fontRef idx="minor">
+            <a:schemeClr val="tx1"/>
+          </a:fontRef>
+        </p:style>
+      </p:cxnSp>
+      <p:cxnSp>
+        <p:nvCxnSpPr>
+          <p:cNvPr id="91" name="90 Conector recto de flecha"/>
+          <p:cNvCxnSpPr/>
+          <p:nvPr/>
+        </p:nvCxnSpPr>
+        <p:spPr>
+          <a:xfrm>
+            <a:off x="3428992" y="5371478"/>
+            <a:ext cx="500066" cy="1588"/>
+          </a:xfrm>
+          <a:prstGeom prst="straightConnector1">
+            <a:avLst/>
+          </a:prstGeom>
+          <a:ln w="25400">
+            <a:solidFill>
+              <a:srgbClr val="002060"/>
+            </a:solidFill>
+            <a:prstDash val="dash"/>
+            <a:tailEnd type="arrow"/>
+          </a:ln>
+        </p:spPr>
+        <p:style>
+          <a:lnRef idx="1">
+            <a:schemeClr val="accent1"/>
+          </a:lnRef>
+          <a:fillRef idx="0">
+            <a:schemeClr val="accent1"/>
+          </a:fillRef>
+          <a:effectRef idx="0">
+            <a:schemeClr val="accent1"/>
+          </a:effectRef>
+          <a:fontRef idx="minor">
+            <a:schemeClr val="tx1"/>
+          </a:fontRef>
+        </p:style>
+      </p:cxnSp>
+      <p:cxnSp>
+        <p:nvCxnSpPr>
+          <p:cNvPr id="92" name="91 Conector recto de flecha"/>
+          <p:cNvCxnSpPr>
+            <a:stCxn id="42" idx="3"/>
+          </p:cNvCxnSpPr>
+          <p:nvPr/>
+        </p:nvCxnSpPr>
+        <p:spPr>
+          <a:xfrm>
+            <a:off x="2643175" y="6422683"/>
+            <a:ext cx="1285883" cy="6713"/>
+          </a:xfrm>
+          <a:prstGeom prst="straightConnector1">
+            <a:avLst/>
+          </a:prstGeom>
+          <a:ln w="25400">
+            <a:solidFill>
+              <a:srgbClr val="002060"/>
+            </a:solidFill>
+            <a:prstDash val="dash"/>
+            <a:tailEnd type="arrow"/>
           </a:ln>
         </p:spPr>
         <p:style>
@@ -17796,19 +17876,6 @@
               </a:rPr>
               <a:t>Trabajo Futuro</a:t>
             </a:r>
-            <a:endParaRPr lang="es-ES" sz="2800" dirty="0" smtClean="0">
-              <a:solidFill>
-                <a:schemeClr val="accent2">
-                  <a:lumMod val="75000"/>
-                </a:schemeClr>
-              </a:solidFill>
-              <a:effectLst>
-                <a:reflection blurRad="12700" stA="48000" endA="300" endPos="55000" dir="5400000" sy="-90000" algn="bl" rotWithShape="0"/>
-              </a:effectLst>
-              <a:latin typeface="+mj-lt"/>
-              <a:ea typeface="+mj-ea"/>
-              <a:cs typeface="+mj-cs"/>
-            </a:endParaRPr>
           </a:p>
         </p:txBody>
       </p:sp>
@@ -17901,17 +17968,6 @@
               </a:rPr>
               <a:t> Incorporar otros métodos para el registro de tiempo </a:t>
             </a:r>
-            <a:endParaRPr lang="es-ES" sz="2400" dirty="0" smtClean="0">
-              <a:solidFill>
-                <a:srgbClr val="0070C0"/>
-              </a:solidFill>
-              <a:effectLst>
-                <a:reflection blurRad="12700" stA="48000" endA="300" endPos="55000" dir="5400000" sy="-90000" algn="bl" rotWithShape="0"/>
-              </a:effectLst>
-              <a:latin typeface="+mj-lt"/>
-              <a:ea typeface="+mj-ea"/>
-              <a:cs typeface="+mj-cs"/>
-            </a:endParaRPr>
           </a:p>
           <a:p>
             <a:pPr lvl="1">
@@ -17935,17 +17991,6 @@
               </a:rPr>
               <a:t> Correo electrónico</a:t>
             </a:r>
-            <a:endParaRPr lang="es-ES" sz="2400" dirty="0" smtClean="0">
-              <a:solidFill>
-                <a:srgbClr val="0070C0"/>
-              </a:solidFill>
-              <a:effectLst>
-                <a:reflection blurRad="12700" stA="48000" endA="300" endPos="55000" dir="5400000" sy="-90000" algn="bl" rotWithShape="0"/>
-              </a:effectLst>
-              <a:latin typeface="+mj-lt"/>
-              <a:ea typeface="+mj-ea"/>
-              <a:cs typeface="+mj-cs"/>
-            </a:endParaRPr>
           </a:p>
           <a:p>
             <a:pPr lvl="1">
@@ -17969,17 +18014,6 @@
               </a:rPr>
               <a:t> Chat interactivo</a:t>
             </a:r>
-            <a:endParaRPr lang="es-ES" sz="2400" dirty="0" smtClean="0">
-              <a:solidFill>
-                <a:srgbClr val="0070C0"/>
-              </a:solidFill>
-              <a:effectLst>
-                <a:reflection blurRad="12700" stA="48000" endA="300" endPos="55000" dir="5400000" sy="-90000" algn="bl" rotWithShape="0"/>
-              </a:effectLst>
-              <a:latin typeface="+mj-lt"/>
-              <a:ea typeface="+mj-ea"/>
-              <a:cs typeface="+mj-cs"/>
-            </a:endParaRPr>
           </a:p>
           <a:p>
             <a:pPr>
@@ -18003,17 +18037,6 @@
               </a:rPr>
               <a:t> Extender la funcionalidad de administración de proyectos</a:t>
             </a:r>
-            <a:endParaRPr lang="es-ES" sz="2400" dirty="0" smtClean="0">
-              <a:solidFill>
-                <a:srgbClr val="0070C0"/>
-              </a:solidFill>
-              <a:effectLst>
-                <a:reflection blurRad="12700" stA="48000" endA="300" endPos="55000" dir="5400000" sy="-90000" algn="bl" rotWithShape="0"/>
-              </a:effectLst>
-              <a:latin typeface="+mj-lt"/>
-              <a:ea typeface="+mj-ea"/>
-              <a:cs typeface="+mj-cs"/>
-            </a:endParaRPr>
           </a:p>
           <a:p>
             <a:pPr>
@@ -18695,17 +18718,6 @@
               </a:rPr>
               <a:t> LIS</a:t>
             </a:r>
-            <a:endParaRPr lang="es-ES" sz="2000" cap="all" dirty="0" smtClean="0">
-              <a:solidFill>
-                <a:schemeClr val="tx2"/>
-              </a:solidFill>
-              <a:effectLst>
-                <a:reflection blurRad="12700" stA="48000" endA="300" endPos="55000" dir="5400000" sy="-90000" algn="bl" rotWithShape="0"/>
-              </a:effectLst>
-              <a:latin typeface="+mj-lt"/>
-              <a:ea typeface="+mj-ea"/>
-              <a:cs typeface="+mj-cs"/>
-            </a:endParaRPr>
           </a:p>
         </p:txBody>
       </p:sp>
@@ -20404,7 +20416,7 @@
     </p:spTree>
     <p:extLst>
       <p:ext uri="{BB962C8B-B14F-4D97-AF65-F5344CB8AC3E}">
-        <p14:creationId xmlns="" xmlns:p14="http://schemas.microsoft.com/office/powerpoint/2010/main" val="1353031152"/>
+        <p14:creationId xmlns:p14="http://schemas.microsoft.com/office/powerpoint/2010/main" xmlns="" val="1353031152"/>
       </p:ext>
     </p:extLst>
   </p:cSld>
@@ -21811,7 +21823,7 @@
           <p:nvPr>
             <p:extLst>
               <p:ext uri="{D42A27DB-BD31-4B8C-83A1-F6EECF244321}">
-                <p14:modId xmlns="" xmlns:p14="http://schemas.microsoft.com/office/powerpoint/2010/main" val="154589695"/>
+                <p14:modId xmlns:p14="http://schemas.microsoft.com/office/powerpoint/2010/main" xmlns="" val="154589695"/>
               </p:ext>
             </p:extLst>
           </p:nvPr>
@@ -22245,7 +22257,7 @@
     </p:spTree>
     <p:extLst>
       <p:ext uri="{BB962C8B-B14F-4D97-AF65-F5344CB8AC3E}">
-        <p14:creationId xmlns="" xmlns:p14="http://schemas.microsoft.com/office/powerpoint/2010/main" val="1353031152"/>
+        <p14:creationId xmlns:p14="http://schemas.microsoft.com/office/powerpoint/2010/main" xmlns="" val="1353031152"/>
       </p:ext>
     </p:extLst>
   </p:cSld>
@@ -23194,7 +23206,7 @@
     </p:spTree>
     <p:extLst>
       <p:ext uri="{BB962C8B-B14F-4D97-AF65-F5344CB8AC3E}">
-        <p14:creationId xmlns="" xmlns:p14="http://schemas.microsoft.com/office/powerpoint/2010/main" val="1353031152"/>
+        <p14:creationId xmlns:p14="http://schemas.microsoft.com/office/powerpoint/2010/main" xmlns="" val="1353031152"/>
       </p:ext>
     </p:extLst>
   </p:cSld>
@@ -23769,17 +23781,6 @@
               </a:rPr>
               <a:t>Asignación de tiempo dedicado a las tareas por </a:t>
             </a:r>
-            <a:endParaRPr lang="es-ES" sz="2800" dirty="0" smtClean="0">
-              <a:solidFill>
-                <a:srgbClr val="0070C0"/>
-              </a:solidFill>
-              <a:effectLst>
-                <a:reflection blurRad="12700" stA="48000" endA="300" endPos="55000" dir="5400000" sy="-90000" algn="bl" rotWithShape="0"/>
-              </a:effectLst>
-              <a:latin typeface="+mj-lt"/>
-              <a:ea typeface="+mj-ea"/>
-              <a:cs typeface="+mj-cs"/>
-            </a:endParaRPr>
           </a:p>
           <a:p>
             <a:r>
@@ -23796,17 +23797,6 @@
               </a:rPr>
               <a:t>   usuarios</a:t>
             </a:r>
-            <a:endParaRPr lang="es-ES" sz="2800" dirty="0" smtClean="0">
-              <a:solidFill>
-                <a:srgbClr val="0070C0"/>
-              </a:solidFill>
-              <a:effectLst>
-                <a:reflection blurRad="12700" stA="48000" endA="300" endPos="55000" dir="5400000" sy="-90000" algn="bl" rotWithShape="0"/>
-              </a:effectLst>
-              <a:latin typeface="+mj-lt"/>
-              <a:ea typeface="+mj-ea"/>
-              <a:cs typeface="+mj-cs"/>
-            </a:endParaRPr>
           </a:p>
           <a:p>
             <a:pPr lvl="1">
@@ -25309,7 +25299,7 @@
           <p:nvPr>
             <p:extLst>
               <p:ext uri="{D42A27DB-BD31-4B8C-83A1-F6EECF244321}">
-                <p14:modId xmlns="" xmlns:p14="http://schemas.microsoft.com/office/powerpoint/2010/main" val="3564479324"/>
+                <p14:modId xmlns:p14="http://schemas.microsoft.com/office/powerpoint/2010/main" xmlns="" val="3564479324"/>
               </p:ext>
             </p:extLst>
           </p:nvPr>
@@ -25404,7 +25394,7 @@
     </p:spTree>
     <p:extLst>
       <p:ext uri="{BB962C8B-B14F-4D97-AF65-F5344CB8AC3E}">
-        <p14:creationId xmlns="" xmlns:p14="http://schemas.microsoft.com/office/powerpoint/2010/main" val="3073273049"/>
+        <p14:creationId xmlns:p14="http://schemas.microsoft.com/office/powerpoint/2010/main" xmlns="" val="3073273049"/>
       </p:ext>
     </p:extLst>
   </p:cSld>
@@ -25818,7 +25808,7 @@
         <p:spPr>
           <a:xfrm>
             <a:off x="1428728" y="1357298"/>
-            <a:ext cx="3378938" cy="523220"/>
+            <a:ext cx="3207929" cy="523220"/>
           </a:xfrm>
           <a:prstGeom prst="rect">
             <a:avLst/>
@@ -25860,7 +25850,7 @@
                 <a:ea typeface="+mj-ea"/>
                 <a:cs typeface="+mj-cs"/>
               </a:rPr>
-              <a:t>afrontados</a:t>
+              <a:t>superados</a:t>
             </a:r>
             <a:endParaRPr lang="es-ES" sz="2800" dirty="0" smtClean="0">
               <a:solidFill>
@@ -26850,19 +26840,6 @@
               </a:rPr>
               <a:t>Gestión y Organización</a:t>
             </a:r>
-            <a:endParaRPr lang="es-ES" sz="2000" dirty="0" smtClean="0">
-              <a:solidFill>
-                <a:schemeClr val="accent2">
-                  <a:lumMod val="75000"/>
-                </a:schemeClr>
-              </a:solidFill>
-              <a:effectLst>
-                <a:reflection blurRad="12700" stA="48000" endA="300" endPos="55000" dir="5400000" sy="-90000" algn="bl" rotWithShape="0"/>
-              </a:effectLst>
-              <a:latin typeface="+mj-lt"/>
-              <a:ea typeface="+mj-ea"/>
-              <a:cs typeface="+mj-cs"/>
-            </a:endParaRPr>
           </a:p>
         </p:txBody>
       </p:sp>
@@ -29769,7 +29746,7 @@
         <p:spPr>
           <a:xfrm>
             <a:off x="1428728" y="1357298"/>
-            <a:ext cx="4326313" cy="523220"/>
+            <a:ext cx="4261103" cy="523220"/>
           </a:xfrm>
           <a:prstGeom prst="rect">
             <a:avLst/>
@@ -29811,21 +29788,24 @@
                 <a:ea typeface="+mj-ea"/>
                 <a:cs typeface="+mj-cs"/>
               </a:rPr>
-              <a:t>afrontados (cont.)</a:t>
+              <a:t>superados </a:t>
             </a:r>
-            <a:endParaRPr lang="es-ES" sz="2800" dirty="0" smtClean="0">
-              <a:solidFill>
-                <a:schemeClr val="accent2">
-                  <a:lumMod val="75000"/>
-                </a:schemeClr>
-              </a:solidFill>
-              <a:effectLst>
-                <a:reflection blurRad="12700" stA="48000" endA="300" endPos="55000" dir="5400000" sy="-90000" algn="bl" rotWithShape="0"/>
-              </a:effectLst>
-              <a:latin typeface="+mj-lt"/>
-              <a:ea typeface="+mj-ea"/>
-              <a:cs typeface="+mj-cs"/>
-            </a:endParaRPr>
+            <a:r>
+              <a:rPr lang="es-ES" sz="2800" dirty="0" smtClean="0">
+                <a:solidFill>
+                  <a:schemeClr val="accent2">
+                    <a:lumMod val="75000"/>
+                  </a:schemeClr>
+                </a:solidFill>
+                <a:effectLst>
+                  <a:reflection blurRad="12700" stA="48000" endA="300" endPos="55000" dir="5400000" sy="-90000" algn="bl" rotWithShape="0"/>
+                </a:effectLst>
+                <a:latin typeface="+mj-lt"/>
+                <a:ea typeface="+mj-ea"/>
+                <a:cs typeface="+mj-cs"/>
+              </a:rPr>
+              <a:t>(cont.)</a:t>
+            </a:r>
           </a:p>
         </p:txBody>
       </p:sp>
@@ -30254,23 +30234,7 @@
                   <a:schemeClr val="bg1"/>
                 </a:solidFill>
               </a:rPr>
-              <a:t>Fue difícil separar la aplicación en </a:t>
-            </a:r>
-            <a:r>
-              <a:rPr lang="es-AR" sz="900" b="1" dirty="0" smtClean="0">
-                <a:solidFill>
-                  <a:schemeClr val="bg1"/>
-                </a:solidFill>
-              </a:rPr>
-              <a:t>diferentes proyectos </a:t>
-            </a:r>
-            <a:r>
-              <a:rPr lang="es-AR" sz="900" b="1" dirty="0" smtClean="0">
-                <a:solidFill>
-                  <a:schemeClr val="bg1"/>
-                </a:solidFill>
-              </a:rPr>
-              <a:t>GWT para distribuirnos el trabajo y facilitar el mantenimiento</a:t>
+              <a:t>Fue difícil separar la aplicación en diferentes proyectos GWT para distribuirnos el trabajo y facilitar el mantenimiento</a:t>
             </a:r>
             <a:endParaRPr lang="es-ES" sz="900" b="1" dirty="0" smtClean="0">
               <a:solidFill>
@@ -30381,39 +30345,7 @@
                   <a:schemeClr val="bg1"/>
                 </a:solidFill>
               </a:rPr>
-              <a:t>El IDE de Eclipse no permite la integración de proyectos GWT de la </a:t>
-            </a:r>
-            <a:r>
-              <a:rPr lang="es-AR" sz="900" b="1" dirty="0" smtClean="0">
-                <a:solidFill>
-                  <a:schemeClr val="bg1"/>
-                </a:solidFill>
-              </a:rPr>
-              <a:t>misma manera que una </a:t>
-            </a:r>
-            <a:r>
-              <a:rPr lang="es-AR" sz="900" b="1" dirty="0" smtClean="0">
-                <a:solidFill>
-                  <a:schemeClr val="bg1"/>
-                </a:solidFill>
-              </a:rPr>
-              <a:t>aplicación JAVA o J2EE</a:t>
-            </a:r>
-            <a:r>
-              <a:rPr lang="es-AR" sz="900" b="1" dirty="0" smtClean="0">
-                <a:solidFill>
-                  <a:schemeClr val="bg1"/>
-                </a:solidFill>
-              </a:rPr>
-              <a:t>. GWT </a:t>
-            </a:r>
-            <a:r>
-              <a:rPr lang="es-AR" sz="900" b="1" dirty="0" smtClean="0">
-                <a:solidFill>
-                  <a:schemeClr val="bg1"/>
-                </a:solidFill>
-              </a:rPr>
-              <a:t>buscaba su código en un único proyecto</a:t>
+              <a:t>El IDE de Eclipse no permite la integración de proyectos GWT de la misma manera que una aplicación JAVA o J2EE. GWT buscaba su código en un único proyecto</a:t>
             </a:r>
             <a:endParaRPr lang="es-ES" sz="900" b="1" dirty="0" smtClean="0">
               <a:solidFill>
@@ -30509,19 +30441,6 @@
               </a:rPr>
               <a:t>Problemas durante el desarrollo</a:t>
             </a:r>
-            <a:endParaRPr lang="es-ES" sz="2000" dirty="0" smtClean="0">
-              <a:solidFill>
-                <a:schemeClr val="accent2">
-                  <a:lumMod val="75000"/>
-                </a:schemeClr>
-              </a:solidFill>
-              <a:effectLst>
-                <a:reflection blurRad="12700" stA="48000" endA="300" endPos="55000" dir="5400000" sy="-90000" algn="bl" rotWithShape="0"/>
-              </a:effectLst>
-              <a:latin typeface="+mj-lt"/>
-              <a:ea typeface="+mj-ea"/>
-              <a:cs typeface="+mj-cs"/>
-            </a:endParaRPr>
           </a:p>
         </p:txBody>
       </p:sp>
@@ -30578,31 +30497,7 @@
                   <a:schemeClr val="bg1"/>
                 </a:solidFill>
               </a:rPr>
-              <a:t>Servicios </a:t>
-            </a:r>
-            <a:r>
-              <a:rPr lang="es-AR" sz="900" b="1" dirty="0" smtClean="0">
-                <a:solidFill>
-                  <a:schemeClr val="bg1"/>
-                </a:solidFill>
-              </a:rPr>
-              <a:t>que acceden a </a:t>
-            </a:r>
-            <a:r>
-              <a:rPr lang="es-AR" sz="900" b="1" dirty="0" smtClean="0">
-                <a:solidFill>
-                  <a:schemeClr val="bg1"/>
-                </a:solidFill>
-              </a:rPr>
-              <a:t>BD </a:t>
-            </a:r>
-            <a:r>
-              <a:rPr lang="es-AR" sz="900" b="1" dirty="0" smtClean="0">
-                <a:solidFill>
-                  <a:schemeClr val="bg1"/>
-                </a:solidFill>
-              </a:rPr>
-              <a:t>(</a:t>
+              <a:t>Servicios que acceden a BD (</a:t>
             </a:r>
             <a:r>
               <a:rPr lang="es-AR" sz="900" b="1" dirty="0" err="1" smtClean="0">
@@ -30634,47 +30529,7 @@
                   <a:schemeClr val="bg1"/>
                 </a:solidFill>
               </a:rPr>
-              <a:t>), la vista </a:t>
-            </a:r>
-            <a:r>
-              <a:rPr lang="es-AR" sz="900" b="1" dirty="0" smtClean="0">
-                <a:solidFill>
-                  <a:schemeClr val="bg1"/>
-                </a:solidFill>
-              </a:rPr>
-              <a:t>con sus servicios, y </a:t>
-            </a:r>
-            <a:r>
-              <a:rPr lang="es-AR" sz="900" b="1" dirty="0" smtClean="0">
-                <a:solidFill>
-                  <a:schemeClr val="bg1"/>
-                </a:solidFill>
-              </a:rPr>
-              <a:t>los componentes </a:t>
-            </a:r>
-            <a:r>
-              <a:rPr lang="es-AR" sz="900" b="1" dirty="0" smtClean="0">
-                <a:solidFill>
-                  <a:schemeClr val="bg1"/>
-                </a:solidFill>
-              </a:rPr>
-              <a:t>necesarios para </a:t>
-            </a:r>
-            <a:r>
-              <a:rPr lang="es-AR" sz="900" b="1" dirty="0" smtClean="0">
-                <a:solidFill>
-                  <a:schemeClr val="bg1"/>
-                </a:solidFill>
-              </a:rPr>
-              <a:t>la integración entre </a:t>
-            </a:r>
-            <a:r>
-              <a:rPr lang="es-AR" sz="900" b="1" dirty="0" smtClean="0">
-                <a:solidFill>
-                  <a:schemeClr val="bg1"/>
-                </a:solidFill>
-              </a:rPr>
-              <a:t>ambos (</a:t>
+              <a:t>), la vista con sus servicios, y los componentes necesarios para la integración entre ambos (</a:t>
             </a:r>
             <a:r>
               <a:rPr lang="es-AR" sz="900" b="1" dirty="0" err="1" smtClean="0">
@@ -30753,23 +30608,7 @@
                   <a:schemeClr val="bg1"/>
                 </a:solidFill>
               </a:rPr>
-              <a:t>Se cambió la </a:t>
-            </a:r>
-            <a:r>
-              <a:rPr lang="es-AR" sz="900" b="1" dirty="0" smtClean="0">
-                <a:solidFill>
-                  <a:schemeClr val="bg1"/>
-                </a:solidFill>
-              </a:rPr>
-              <a:t>“Importación” por el uso de “links” entre los </a:t>
-            </a:r>
-            <a:r>
-              <a:rPr lang="es-AR" sz="900" b="1" dirty="0" smtClean="0">
-                <a:solidFill>
-                  <a:schemeClr val="bg1"/>
-                </a:solidFill>
-              </a:rPr>
-              <a:t>proyectos. El proyecto “</a:t>
+              <a:t>Se cambió la “Importación” por el uso de “links” entre los proyectos. El proyecto “</a:t>
             </a:r>
             <a:r>
               <a:rPr lang="es-AR" sz="900" b="1" dirty="0" err="1" smtClean="0">
@@ -30785,23 +30624,7 @@
                   <a:schemeClr val="bg1"/>
                 </a:solidFill>
               </a:rPr>
-              <a:t>” </a:t>
-            </a:r>
-            <a:r>
-              <a:rPr lang="es-AR" sz="900" b="1" dirty="0" smtClean="0">
-                <a:solidFill>
-                  <a:schemeClr val="bg1"/>
-                </a:solidFill>
-              </a:rPr>
-              <a:t>ve el código fuente del otro como si fuera </a:t>
-            </a:r>
-            <a:r>
-              <a:rPr lang="es-AR" sz="900" b="1" dirty="0" smtClean="0">
-                <a:solidFill>
-                  <a:schemeClr val="bg1"/>
-                </a:solidFill>
-              </a:rPr>
-              <a:t>propio</a:t>
+              <a:t>” ve el código fuente del otro como si fuera propio</a:t>
             </a:r>
             <a:endParaRPr lang="es-ES" sz="900" b="1" dirty="0" smtClean="0">
               <a:solidFill>
@@ -30908,39 +30731,7 @@
                   <a:schemeClr val="bg1"/>
                 </a:solidFill>
               </a:rPr>
-              <a:t> debía pensarse como </a:t>
-            </a:r>
-            <a:r>
-              <a:rPr lang="es-AR" sz="900" b="1" dirty="0" smtClean="0">
-                <a:solidFill>
-                  <a:schemeClr val="bg1"/>
-                </a:solidFill>
-              </a:rPr>
-              <a:t>una </a:t>
-            </a:r>
-            <a:r>
-              <a:rPr lang="es-AR" sz="900" b="1" dirty="0" smtClean="0">
-                <a:solidFill>
-                  <a:schemeClr val="bg1"/>
-                </a:solidFill>
-              </a:rPr>
-              <a:t>aplicación </a:t>
-            </a:r>
-            <a:r>
-              <a:rPr lang="es-AR" sz="900" b="1" dirty="0" smtClean="0">
-                <a:solidFill>
-                  <a:schemeClr val="bg1"/>
-                </a:solidFill>
-              </a:rPr>
-              <a:t>Java </a:t>
-            </a:r>
-            <a:r>
-              <a:rPr lang="es-AR" sz="900" b="1" dirty="0" smtClean="0">
-                <a:solidFill>
-                  <a:schemeClr val="bg1"/>
-                </a:solidFill>
-              </a:rPr>
-              <a:t>de escritorio (swing), con eventos y acciones asincrónicas que hacen difícil la sincronización de componentes</a:t>
+              <a:t> debía pensarse como una aplicación Java de escritorio (swing), con eventos y acciones asincrónicas que hacen difícil la sincronización de componentes</a:t>
             </a:r>
             <a:endParaRPr lang="es-ES" sz="1000" b="1" dirty="0">
               <a:solidFill>
@@ -31027,15 +30818,7 @@
                   <a:schemeClr val="bg1"/>
                 </a:solidFill>
               </a:rPr>
-              <a:t>Utilizamos </a:t>
-            </a:r>
-            <a:r>
-              <a:rPr lang="es-AR" sz="900" b="1" dirty="0" smtClean="0">
-                <a:solidFill>
-                  <a:schemeClr val="bg1"/>
-                </a:solidFill>
-              </a:rPr>
-              <a:t>el patrón </a:t>
+              <a:t>Utilizamos el patrón </a:t>
             </a:r>
             <a:r>
               <a:rPr lang="es-AR" sz="900" b="1" i="1" dirty="0" err="1" smtClean="0">
@@ -31051,39 +30834,7 @@
                   <a:schemeClr val="bg1"/>
                 </a:solidFill>
               </a:rPr>
-              <a:t>, que </a:t>
-            </a:r>
-            <a:r>
-              <a:rPr lang="es-AR" sz="900" b="1" dirty="0" smtClean="0">
-                <a:solidFill>
-                  <a:schemeClr val="bg1"/>
-                </a:solidFill>
-              </a:rPr>
-              <a:t>notifica a </a:t>
-            </a:r>
-            <a:r>
-              <a:rPr lang="es-AR" sz="900" b="1" dirty="0" smtClean="0">
-                <a:solidFill>
-                  <a:schemeClr val="bg1"/>
-                </a:solidFill>
-              </a:rPr>
-              <a:t>los observadores cuando </a:t>
-            </a:r>
-            <a:r>
-              <a:rPr lang="es-AR" sz="900" b="1" dirty="0" smtClean="0">
-                <a:solidFill>
-                  <a:schemeClr val="bg1"/>
-                </a:solidFill>
-              </a:rPr>
-              <a:t>deben </a:t>
-            </a:r>
-            <a:r>
-              <a:rPr lang="es-AR" sz="900" b="1" dirty="0" smtClean="0">
-                <a:solidFill>
-                  <a:schemeClr val="bg1"/>
-                </a:solidFill>
-              </a:rPr>
-              <a:t>actualizarse, sincronizando de esta manera los servicios</a:t>
+              <a:t>, que notifica a los observadores cuando deben actualizarse, sincronizando de esta manera los servicios</a:t>
             </a:r>
             <a:endParaRPr lang="es-ES" sz="800" b="1" dirty="0">
               <a:solidFill>
@@ -31281,15 +31032,7 @@
                   <a:schemeClr val="bg1"/>
                 </a:solidFill>
               </a:rPr>
-              <a:t>Se reemplazó al </a:t>
-            </a:r>
-            <a:r>
-              <a:rPr lang="es-AR" sz="1000" b="1" dirty="0" smtClean="0">
-                <a:solidFill>
-                  <a:schemeClr val="bg1"/>
-                </a:solidFill>
-              </a:rPr>
-              <a:t>servidor Web </a:t>
+              <a:t>Se reemplazó al servidor Web </a:t>
             </a:r>
             <a:r>
               <a:rPr lang="es-AR" sz="1000" b="1" dirty="0" err="1" smtClean="0">
@@ -31305,15 +31048,7 @@
                   <a:schemeClr val="bg1"/>
                 </a:solidFill>
               </a:rPr>
-              <a:t> por </a:t>
-            </a:r>
-            <a:r>
-              <a:rPr lang="es-AR" sz="1000" b="1" dirty="0" smtClean="0">
-                <a:solidFill>
-                  <a:schemeClr val="bg1"/>
-                </a:solidFill>
-              </a:rPr>
-              <a:t>Apache </a:t>
+              <a:t> por Apache </a:t>
             </a:r>
             <a:r>
               <a:rPr lang="es-AR" sz="1000" b="1" dirty="0" err="1" smtClean="0">
@@ -31329,15 +31064,7 @@
                   <a:schemeClr val="bg1"/>
                 </a:solidFill>
               </a:rPr>
-              <a:t> 7.0, </a:t>
-            </a:r>
-            <a:r>
-              <a:rPr lang="es-AR" sz="1000" b="1" dirty="0" smtClean="0">
-                <a:solidFill>
-                  <a:schemeClr val="bg1"/>
-                </a:solidFill>
-              </a:rPr>
-              <a:t>con el que se solucionó el conflicto</a:t>
+              <a:t> 7.0, con el que se solucionó el conflicto</a:t>
             </a:r>
             <a:endParaRPr lang="es-ES" sz="900" b="1" dirty="0">
               <a:solidFill>
@@ -31527,15 +31254,7 @@
                   <a:schemeClr val="bg1"/>
                 </a:solidFill>
               </a:rPr>
-              <a:t>Usamos JSNI </a:t>
-            </a:r>
-            <a:r>
-              <a:rPr lang="es-AR" sz="900" b="1" dirty="0" smtClean="0">
-                <a:solidFill>
-                  <a:schemeClr val="bg1"/>
-                </a:solidFill>
-              </a:rPr>
-              <a:t>(</a:t>
+              <a:t>Usamos JSNI (</a:t>
             </a:r>
             <a:r>
               <a:rPr lang="es-AR" sz="900" b="1" dirty="0" err="1" smtClean="0">
@@ -31567,31 +31286,7 @@
                   <a:schemeClr val="bg1"/>
                 </a:solidFill>
               </a:rPr>
-              <a:t> </a:t>
-            </a:r>
-            <a:r>
-              <a:rPr lang="es-AR" sz="900" b="1" dirty="0" smtClean="0">
-                <a:solidFill>
-                  <a:schemeClr val="bg1"/>
-                </a:solidFill>
-              </a:rPr>
-              <a:t>Interface) para lograr la </a:t>
-            </a:r>
-            <a:r>
-              <a:rPr lang="es-AR" sz="900" b="1" dirty="0" smtClean="0">
-                <a:solidFill>
-                  <a:schemeClr val="bg1"/>
-                </a:solidFill>
-              </a:rPr>
-              <a:t>adaptación entre </a:t>
-            </a:r>
-            <a:r>
-              <a:rPr lang="es-AR" sz="900" b="1" dirty="0" smtClean="0">
-                <a:solidFill>
-                  <a:schemeClr val="bg1"/>
-                </a:solidFill>
-              </a:rPr>
-              <a:t>librería de reportes y componentes de </a:t>
+              <a:t> Interface) para lograr la adaptación entre librería de reportes y componentes de </a:t>
             </a:r>
             <a:r>
               <a:rPr lang="es-AR" sz="900" b="1" dirty="0" err="1" smtClean="0">
@@ -31805,71 +31500,7 @@
                   <a:schemeClr val="bg1"/>
                 </a:solidFill>
               </a:rPr>
-              <a:t>Trabajar </a:t>
-            </a:r>
-            <a:r>
-              <a:rPr lang="es-AR" sz="900" b="1" dirty="0" smtClean="0">
-                <a:solidFill>
-                  <a:schemeClr val="bg1"/>
-                </a:solidFill>
-              </a:rPr>
-              <a:t>la imagen en </a:t>
-            </a:r>
-            <a:r>
-              <a:rPr lang="es-AR" sz="900" b="1" dirty="0" smtClean="0">
-                <a:solidFill>
-                  <a:schemeClr val="bg1"/>
-                </a:solidFill>
-              </a:rPr>
-              <a:t>manera </a:t>
-            </a:r>
-            <a:r>
-              <a:rPr lang="es-AR" sz="900" b="1" dirty="0" smtClean="0">
-                <a:solidFill>
-                  <a:schemeClr val="bg1"/>
-                </a:solidFill>
-              </a:rPr>
-              <a:t>independiente, </a:t>
-            </a:r>
-            <a:r>
-              <a:rPr lang="es-AR" sz="900" b="1" dirty="0" smtClean="0">
-                <a:solidFill>
-                  <a:schemeClr val="bg1"/>
-                </a:solidFill>
-              </a:rPr>
-              <a:t>almacenándola </a:t>
-            </a:r>
-            <a:r>
-              <a:rPr lang="es-AR" sz="900" b="1" dirty="0" smtClean="0">
-                <a:solidFill>
-                  <a:schemeClr val="bg1"/>
-                </a:solidFill>
-              </a:rPr>
-              <a:t>directamente </a:t>
-            </a:r>
-            <a:r>
-              <a:rPr lang="es-AR" sz="900" b="1" dirty="0" smtClean="0">
-                <a:solidFill>
-                  <a:schemeClr val="bg1"/>
-                </a:solidFill>
-              </a:rPr>
-              <a:t>en </a:t>
-            </a:r>
-            <a:r>
-              <a:rPr lang="es-AR" sz="900" b="1" dirty="0" smtClean="0">
-                <a:solidFill>
-                  <a:schemeClr val="bg1"/>
-                </a:solidFill>
-              </a:rPr>
-              <a:t>un servidor independiente del </a:t>
-            </a:r>
-            <a:r>
-              <a:rPr lang="es-AR" sz="900" b="1" dirty="0" smtClean="0">
-                <a:solidFill>
-                  <a:schemeClr val="bg1"/>
-                </a:solidFill>
-              </a:rPr>
-              <a:t>componente</a:t>
+              <a:t>Trabajar la imagen en manera independiente, almacenándola directamente en un servidor independiente del componente</a:t>
             </a:r>
             <a:endParaRPr lang="es-ES" sz="800" b="1" dirty="0">
               <a:solidFill>
@@ -35475,19 +35106,6 @@
               </a:rPr>
               <a:t>Principales Reglas de Negocio</a:t>
             </a:r>
-            <a:endParaRPr lang="es-ES" sz="2800" dirty="0" smtClean="0">
-              <a:solidFill>
-                <a:schemeClr val="accent2">
-                  <a:lumMod val="75000"/>
-                </a:schemeClr>
-              </a:solidFill>
-              <a:effectLst>
-                <a:reflection blurRad="12700" stA="48000" endA="300" endPos="55000" dir="5400000" sy="-90000" algn="bl" rotWithShape="0"/>
-              </a:effectLst>
-              <a:latin typeface="+mj-lt"/>
-              <a:ea typeface="+mj-ea"/>
-              <a:cs typeface="+mj-cs"/>
-            </a:endParaRPr>
           </a:p>
         </p:txBody>
       </p:sp>
@@ -35718,17 +35336,6 @@
               </a:rPr>
               <a:t>Asignación de tiempo dedicado a las tareas por </a:t>
             </a:r>
-            <a:endParaRPr lang="es-ES" sz="2800" dirty="0" smtClean="0">
-              <a:solidFill>
-                <a:srgbClr val="0070C0"/>
-              </a:solidFill>
-              <a:effectLst>
-                <a:reflection blurRad="12700" stA="48000" endA="300" endPos="55000" dir="5400000" sy="-90000" algn="bl" rotWithShape="0"/>
-              </a:effectLst>
-              <a:latin typeface="+mj-lt"/>
-              <a:ea typeface="+mj-ea"/>
-              <a:cs typeface="+mj-cs"/>
-            </a:endParaRPr>
           </a:p>
           <a:p>
             <a:r>
@@ -35745,17 +35352,6 @@
               </a:rPr>
               <a:t>   usuarios</a:t>
             </a:r>
-            <a:endParaRPr lang="es-ES" sz="2800" dirty="0" smtClean="0">
-              <a:solidFill>
-                <a:srgbClr val="0070C0"/>
-              </a:solidFill>
-              <a:effectLst>
-                <a:reflection blurRad="12700" stA="48000" endA="300" endPos="55000" dir="5400000" sy="-90000" algn="bl" rotWithShape="0"/>
-              </a:effectLst>
-              <a:latin typeface="+mj-lt"/>
-              <a:ea typeface="+mj-ea"/>
-              <a:cs typeface="+mj-cs"/>
-            </a:endParaRPr>
           </a:p>
           <a:p>
             <a:pPr lvl="1">
